--- a/Calendario2023/Presentaciones/4_ProtocolosOSI_R.pptx
+++ b/Calendario2023/Presentaciones/4_ProtocolosOSI_R.pptx
@@ -5,7 +5,7 @@
     <p:sldMasterId id="2147483648" r:id="rId1"/>
   </p:sldMasterIdLst>
   <p:notesMasterIdLst>
-    <p:notesMasterId r:id="rId28"/>
+    <p:notesMasterId r:id="rId27"/>
   </p:notesMasterIdLst>
   <p:sldIdLst>
     <p:sldId id="257" r:id="rId2"/>
@@ -18,22 +18,21 @@
     <p:sldId id="306" r:id="rId9"/>
     <p:sldId id="307" r:id="rId10"/>
     <p:sldId id="269" r:id="rId11"/>
-    <p:sldId id="308" r:id="rId12"/>
-    <p:sldId id="270" r:id="rId13"/>
-    <p:sldId id="285" r:id="rId14"/>
-    <p:sldId id="286" r:id="rId15"/>
-    <p:sldId id="272" r:id="rId16"/>
-    <p:sldId id="273" r:id="rId17"/>
-    <p:sldId id="274" r:id="rId18"/>
-    <p:sldId id="309" r:id="rId19"/>
-    <p:sldId id="275" r:id="rId20"/>
-    <p:sldId id="282" r:id="rId21"/>
-    <p:sldId id="276" r:id="rId22"/>
-    <p:sldId id="1042" r:id="rId23"/>
-    <p:sldId id="277" r:id="rId24"/>
-    <p:sldId id="283" r:id="rId25"/>
-    <p:sldId id="278" r:id="rId26"/>
-    <p:sldId id="279" r:id="rId27"/>
+    <p:sldId id="270" r:id="rId12"/>
+    <p:sldId id="285" r:id="rId13"/>
+    <p:sldId id="286" r:id="rId14"/>
+    <p:sldId id="272" r:id="rId15"/>
+    <p:sldId id="273" r:id="rId16"/>
+    <p:sldId id="274" r:id="rId17"/>
+    <p:sldId id="309" r:id="rId18"/>
+    <p:sldId id="275" r:id="rId19"/>
+    <p:sldId id="282" r:id="rId20"/>
+    <p:sldId id="276" r:id="rId21"/>
+    <p:sldId id="1042" r:id="rId22"/>
+    <p:sldId id="277" r:id="rId23"/>
+    <p:sldId id="283" r:id="rId24"/>
+    <p:sldId id="278" r:id="rId25"/>
+    <p:sldId id="279" r:id="rId26"/>
   </p:sldIdLst>
   <p:sldSz cx="9144000" cy="6858000" type="screen4x3"/>
   <p:notesSz cx="6858000" cy="9144000"/>
@@ -233,7 +232,7 @@
           <a:p>
             <a:fld id="{2D445F07-8756-451B-A938-0248325FC7BB}" type="datetimeFigureOut">
               <a:rPr lang="es-MX" smtClean="0"/>
-              <a:t>14/05/2023</a:t>
+              <a:t>15/05/2023</a:t>
             </a:fld>
             <a:endParaRPr lang="es-MX" dirty="0"/>
           </a:p>
@@ -604,267 +603,69 @@
       </p:grpSpPr>
       <p:sp>
         <p:nvSpPr>
-          <p:cNvPr id="22529" name="Rectangle 11"/>
+          <p:cNvPr id="2" name="Marcador de imagen de diapositiva 1"/>
           <p:cNvSpPr>
-            <a:spLocks noGrp="1" noChangeArrowheads="1"/>
+            <a:spLocks noGrp="1" noRot="1" noChangeAspect="1"/>
           </p:cNvSpPr>
           <p:nvPr>
-            <p:ph type="sldNum" sz="quarter" idx="5"/>
+            <p:ph type="sldImg"/>
           </p:nvPr>
         </p:nvSpPr>
-        <p:spPr>
-          <a:noFill/>
-          <a:ln/>
-          <a:extLst>
-            <a:ext uri="{909E8E84-426E-40DD-AFC4-6F175D3DCCD1}">
-              <a14:hiddenFill xmlns:a14="http://schemas.microsoft.com/office/drawing/2010/main">
-                <a:solidFill>
-                  <a:srgbClr val="FFFFFF"/>
-                </a:solidFill>
-              </a14:hiddenFill>
-            </a:ext>
-            <a:ext uri="{91240B29-F687-4F45-9708-019B960494DF}">
-              <a14:hiddenLine xmlns:a14="http://schemas.microsoft.com/office/drawing/2010/main" w="9525">
-                <a:solidFill>
-                  <a:srgbClr val="000000"/>
-                </a:solidFill>
-                <a:miter lim="800000"/>
-                <a:headEnd/>
-                <a:tailEnd/>
-              </a14:hiddenLine>
-            </a:ext>
-          </a:extLst>
-        </p:spPr>
+        <p:spPr/>
+      </p:sp>
+      <p:sp>
+        <p:nvSpPr>
+          <p:cNvPr id="3" name="Marcador de notas 2"/>
+          <p:cNvSpPr>
+            <a:spLocks noGrp="1"/>
+          </p:cNvSpPr>
+          <p:nvPr>
+            <p:ph type="body" idx="1"/>
+          </p:nvPr>
+        </p:nvSpPr>
+        <p:spPr/>
         <p:txBody>
           <a:bodyPr/>
-          <a:lstStyle>
-            <a:lvl1pPr defTabSz="903288">
-              <a:defRPr sz="2400">
-                <a:solidFill>
-                  <a:schemeClr val="tx1"/>
-                </a:solidFill>
-                <a:latin typeface="Arial" charset="0"/>
-                <a:ea typeface="ＭＳ Ｐゴシック" charset="0"/>
-                <a:cs typeface="ＭＳ Ｐゴシック" charset="0"/>
-              </a:defRPr>
-            </a:lvl1pPr>
-            <a:lvl2pPr marL="742950" indent="-285750" defTabSz="903288">
-              <a:defRPr sz="2400">
-                <a:solidFill>
-                  <a:schemeClr val="tx1"/>
-                </a:solidFill>
-                <a:latin typeface="Arial" charset="0"/>
-                <a:ea typeface="ＭＳ Ｐゴシック" charset="0"/>
-              </a:defRPr>
-            </a:lvl2pPr>
-            <a:lvl3pPr marL="1143000" indent="-228600" defTabSz="903288">
-              <a:defRPr sz="2400">
-                <a:solidFill>
-                  <a:schemeClr val="tx1"/>
-                </a:solidFill>
-                <a:latin typeface="Arial" charset="0"/>
-                <a:ea typeface="ＭＳ Ｐゴシック" charset="0"/>
-              </a:defRPr>
-            </a:lvl3pPr>
-            <a:lvl4pPr marL="1600200" indent="-228600" defTabSz="903288">
-              <a:defRPr sz="2400">
-                <a:solidFill>
-                  <a:schemeClr val="tx1"/>
-                </a:solidFill>
-                <a:latin typeface="Arial" charset="0"/>
-                <a:ea typeface="ＭＳ Ｐゴシック" charset="0"/>
-              </a:defRPr>
-            </a:lvl4pPr>
-            <a:lvl5pPr marL="2057400" indent="-228600" defTabSz="903288">
-              <a:defRPr sz="2400">
-                <a:solidFill>
-                  <a:schemeClr val="tx1"/>
-                </a:solidFill>
-                <a:latin typeface="Arial" charset="0"/>
-                <a:ea typeface="ＭＳ Ｐゴシック" charset="0"/>
-              </a:defRPr>
-            </a:lvl5pPr>
-            <a:lvl6pPr marL="2514600" indent="-228600" algn="ctr" defTabSz="903288" eaLnBrk="0" fontAlgn="base" hangingPunct="0">
+          <a:lstStyle/>
+          <a:p>
+            <a:pPr marL="1200150" lvl="2" indent="-285750">
               <a:lnSpc>
-                <a:spcPct val="90000"/>
+                <a:spcPts val="2800"/>
               </a:lnSpc>
-              <a:spcBef>
-                <a:spcPct val="0"/>
-              </a:spcBef>
-              <a:spcAft>
-                <a:spcPct val="0"/>
-              </a:spcAft>
-              <a:defRPr sz="2400">
-                <a:solidFill>
-                  <a:schemeClr val="tx1"/>
-                </a:solidFill>
-                <a:latin typeface="Arial" charset="0"/>
-                <a:ea typeface="ＭＳ Ｐゴシック" charset="0"/>
-              </a:defRPr>
-            </a:lvl6pPr>
-            <a:lvl7pPr marL="2971800" indent="-228600" algn="ctr" defTabSz="903288" eaLnBrk="0" fontAlgn="base" hangingPunct="0">
-              <a:lnSpc>
-                <a:spcPct val="90000"/>
-              </a:lnSpc>
-              <a:spcBef>
-                <a:spcPct val="0"/>
-              </a:spcBef>
-              <a:spcAft>
-                <a:spcPct val="0"/>
-              </a:spcAft>
-              <a:defRPr sz="2400">
-                <a:solidFill>
-                  <a:schemeClr val="tx1"/>
-                </a:solidFill>
-                <a:latin typeface="Arial" charset="0"/>
-                <a:ea typeface="ＭＳ Ｐゴシック" charset="0"/>
-              </a:defRPr>
-            </a:lvl7pPr>
-            <a:lvl8pPr marL="3429000" indent="-228600" algn="ctr" defTabSz="903288" eaLnBrk="0" fontAlgn="base" hangingPunct="0">
-              <a:lnSpc>
-                <a:spcPct val="90000"/>
-              </a:lnSpc>
-              <a:spcBef>
-                <a:spcPct val="0"/>
-              </a:spcBef>
-              <a:spcAft>
-                <a:spcPct val="0"/>
-              </a:spcAft>
-              <a:defRPr sz="2400">
-                <a:solidFill>
-                  <a:schemeClr val="tx1"/>
-                </a:solidFill>
-                <a:latin typeface="Arial" charset="0"/>
-                <a:ea typeface="ＭＳ Ｐゴシック" charset="0"/>
-              </a:defRPr>
-            </a:lvl8pPr>
-            <a:lvl9pPr marL="3886200" indent="-228600" algn="ctr" defTabSz="903288" eaLnBrk="0" fontAlgn="base" hangingPunct="0">
-              <a:lnSpc>
-                <a:spcPct val="90000"/>
-              </a:lnSpc>
-              <a:spcBef>
-                <a:spcPct val="0"/>
-              </a:spcBef>
-              <a:spcAft>
-                <a:spcPct val="0"/>
-              </a:spcAft>
-              <a:defRPr sz="2400">
-                <a:solidFill>
-                  <a:schemeClr val="tx1"/>
-                </a:solidFill>
-                <a:latin typeface="Arial" charset="0"/>
-                <a:ea typeface="ＭＳ Ｐゴシック" charset="0"/>
-              </a:defRPr>
-            </a:lvl9pPr>
-          </a:lstStyle>
-          <a:p>
-            <a:fld id="{3997A419-355F-A04A-96E0-21643AF8E9FF}" type="slidenum">
-              <a:rPr lang="en-US" sz="800"/>
-              <a:pPr/>
-              <a:t>22</a:t>
-            </a:fld>
-            <a:endParaRPr lang="es-ES" sz="800"/>
+              <a:buFont typeface="Courier New" panose="02070309020205020404" pitchFamily="49" charset="0"/>
+              <a:buChar char="o"/>
+            </a:pPr>
+            <a:endParaRPr lang="es-MX" dirty="0"/>
           </a:p>
         </p:txBody>
       </p:sp>
       <p:sp>
         <p:nvSpPr>
-          <p:cNvPr id="22530" name="Rectangle 2"/>
+          <p:cNvPr id="4" name="Marcador de número de diapositiva 3"/>
           <p:cNvSpPr>
-            <a:spLocks noGrp="1" noRot="1" noChangeAspect="1" noChangeArrowheads="1" noTextEdit="1"/>
+            <a:spLocks noGrp="1"/>
           </p:cNvSpPr>
           <p:nvPr>
-            <p:ph type="sldImg"/>
+            <p:ph type="sldNum" sz="quarter" idx="10"/>
           </p:nvPr>
         </p:nvSpPr>
-        <p:spPr>
-          <a:ln/>
-        </p:spPr>
-      </p:sp>
-      <p:sp>
-        <p:nvSpPr>
-          <p:cNvPr id="22531" name="Rectangle 3"/>
-          <p:cNvSpPr>
-            <a:spLocks noGrp="1" noChangeArrowheads="1"/>
-          </p:cNvSpPr>
-          <p:nvPr>
-            <p:ph type="body" idx="1"/>
-          </p:nvPr>
-        </p:nvSpPr>
-        <p:spPr>
-          <a:noFill/>
-          <a:ln/>
-          <a:extLst>
-            <a:ext uri="{909E8E84-426E-40DD-AFC4-6F175D3DCCD1}">
-              <a14:hiddenFill xmlns:a14="http://schemas.microsoft.com/office/drawing/2010/main">
-                <a:solidFill>
-                  <a:srgbClr val="FFFFFF"/>
-                </a:solidFill>
-              </a14:hiddenFill>
-            </a:ext>
-            <a:ext uri="{91240B29-F687-4F45-9708-019B960494DF}">
-              <a14:hiddenLine xmlns:a14="http://schemas.microsoft.com/office/drawing/2010/main" w="9525">
-                <a:solidFill>
-                  <a:srgbClr val="000000"/>
-                </a:solidFill>
-                <a:miter lim="800000"/>
-                <a:headEnd/>
-                <a:tailEnd/>
-              </a14:hiddenLine>
-            </a:ext>
-          </a:extLst>
-        </p:spPr>
+        <p:spPr/>
         <p:txBody>
           <a:bodyPr/>
           <a:lstStyle/>
           <a:p>
-            <a:pPr>
-              <a:buFontTx/>
-              <a:buNone/>
-            </a:pPr>
-            <a:r>
-              <a:rPr lang="es-ES" b="0" dirty="0"/>
-              <a:t>1.1 – Configuración inicial del router</a:t>
-            </a:r>
-          </a:p>
-          <a:p>
-            <a:pPr>
-              <a:buFontTx/>
-              <a:buNone/>
-            </a:pPr>
-            <a:r>
-              <a:rPr lang="es-ES" b="0" baseline="0" dirty="0"/>
-              <a:t>1.1.2 – Conectar dispositivos</a:t>
-            </a:r>
-            <a:endParaRPr lang="es-ES" dirty="0"/>
-          </a:p>
-          <a:p>
-            <a:pPr>
-              <a:lnSpc>
-                <a:spcPct val="80000"/>
-              </a:lnSpc>
-              <a:buFontTx/>
-              <a:buNone/>
-            </a:pPr>
-            <a:r>
-              <a:rPr lang="es-ES" dirty="0"/>
-              <a:t>1.1.2.2 – </a:t>
-            </a:r>
-            <a:r>
-              <a:rPr lang="es-ES" dirty="0" err="1"/>
-              <a:t>Gateways</a:t>
-            </a:r>
-            <a:r>
-              <a:rPr lang="es-ES" dirty="0"/>
-              <a:t> predeterminados</a:t>
-            </a:r>
+            <a:fld id="{5993AEC0-242E-4FA7-9D3C-51E1036AC3CB}" type="slidenum">
+              <a:rPr lang="es-MX" smtClean="0"/>
+              <a:t>22</a:t>
+            </a:fld>
+            <a:endParaRPr lang="es-MX" dirty="0"/>
           </a:p>
         </p:txBody>
       </p:sp>
     </p:spTree>
     <p:extLst>
       <p:ext uri="{BB962C8B-B14F-4D97-AF65-F5344CB8AC3E}">
-        <p14:creationId xmlns:p14="http://schemas.microsoft.com/office/powerpoint/2010/main" val="1330000578"/>
+        <p14:creationId xmlns:p14="http://schemas.microsoft.com/office/powerpoint/2010/main" val="207861926"/>
       </p:ext>
     </p:extLst>
   </p:cSld>
@@ -955,7 +756,7 @@
     </p:spTree>
     <p:extLst>
       <p:ext uri="{BB962C8B-B14F-4D97-AF65-F5344CB8AC3E}">
-        <p14:creationId xmlns:p14="http://schemas.microsoft.com/office/powerpoint/2010/main" val="207861926"/>
+        <p14:creationId xmlns:p14="http://schemas.microsoft.com/office/powerpoint/2010/main" val="2997307906"/>
       </p:ext>
     </p:extLst>
   </p:cSld>
@@ -966,97 +767,6 @@
 </file>
 
 <file path=ppt/notesSlides/notesSlide12.xml><?xml version="1.0" encoding="utf-8"?>
-<p:notes xmlns:a="http://schemas.openxmlformats.org/drawingml/2006/main" xmlns:r="http://schemas.openxmlformats.org/officeDocument/2006/relationships" xmlns:p="http://schemas.openxmlformats.org/presentationml/2006/main">
-  <p:cSld>
-    <p:spTree>
-      <p:nvGrpSpPr>
-        <p:cNvPr id="1" name=""/>
-        <p:cNvGrpSpPr/>
-        <p:nvPr/>
-      </p:nvGrpSpPr>
-      <p:grpSpPr>
-        <a:xfrm>
-          <a:off x="0" y="0"/>
-          <a:ext cx="0" cy="0"/>
-          <a:chOff x="0" y="0"/>
-          <a:chExt cx="0" cy="0"/>
-        </a:xfrm>
-      </p:grpSpPr>
-      <p:sp>
-        <p:nvSpPr>
-          <p:cNvPr id="2" name="Marcador de imagen de diapositiva 1"/>
-          <p:cNvSpPr>
-            <a:spLocks noGrp="1" noRot="1" noChangeAspect="1"/>
-          </p:cNvSpPr>
-          <p:nvPr>
-            <p:ph type="sldImg"/>
-          </p:nvPr>
-        </p:nvSpPr>
-        <p:spPr/>
-      </p:sp>
-      <p:sp>
-        <p:nvSpPr>
-          <p:cNvPr id="3" name="Marcador de notas 2"/>
-          <p:cNvSpPr>
-            <a:spLocks noGrp="1"/>
-          </p:cNvSpPr>
-          <p:nvPr>
-            <p:ph type="body" idx="1"/>
-          </p:nvPr>
-        </p:nvSpPr>
-        <p:spPr/>
-        <p:txBody>
-          <a:bodyPr/>
-          <a:lstStyle/>
-          <a:p>
-            <a:pPr marL="1200150" lvl="2" indent="-285750">
-              <a:lnSpc>
-                <a:spcPts val="2800"/>
-              </a:lnSpc>
-              <a:buFont typeface="Courier New" panose="02070309020205020404" pitchFamily="49" charset="0"/>
-              <a:buChar char="o"/>
-            </a:pPr>
-            <a:endParaRPr lang="es-MX" dirty="0"/>
-          </a:p>
-        </p:txBody>
-      </p:sp>
-      <p:sp>
-        <p:nvSpPr>
-          <p:cNvPr id="4" name="Marcador de número de diapositiva 3"/>
-          <p:cNvSpPr>
-            <a:spLocks noGrp="1"/>
-          </p:cNvSpPr>
-          <p:nvPr>
-            <p:ph type="sldNum" sz="quarter" idx="10"/>
-          </p:nvPr>
-        </p:nvSpPr>
-        <p:spPr/>
-        <p:txBody>
-          <a:bodyPr/>
-          <a:lstStyle/>
-          <a:p>
-            <a:fld id="{5993AEC0-242E-4FA7-9D3C-51E1036AC3CB}" type="slidenum">
-              <a:rPr lang="es-MX" smtClean="0"/>
-              <a:t>24</a:t>
-            </a:fld>
-            <a:endParaRPr lang="es-MX" dirty="0"/>
-          </a:p>
-        </p:txBody>
-      </p:sp>
-    </p:spTree>
-    <p:extLst>
-      <p:ext uri="{BB962C8B-B14F-4D97-AF65-F5344CB8AC3E}">
-        <p14:creationId xmlns:p14="http://schemas.microsoft.com/office/powerpoint/2010/main" val="2997307906"/>
-      </p:ext>
-    </p:extLst>
-  </p:cSld>
-  <p:clrMapOvr>
-    <a:masterClrMapping/>
-  </p:clrMapOvr>
-</p:notes>
-</file>
-
-<file path=ppt/notesSlides/notesSlide13.xml><?xml version="1.0" encoding="utf-8"?>
 <p:notes xmlns:a="http://schemas.openxmlformats.org/drawingml/2006/main" xmlns:r="http://schemas.openxmlformats.org/officeDocument/2006/relationships" xmlns:p="http://schemas.openxmlformats.org/presentationml/2006/main">
   <p:cSld>
     <p:spTree>
@@ -1293,7 +1003,7 @@
             <a:fld id="{874B767B-5A6A-4E3E-B358-373E6C3B7CFA}" type="slidenum">
               <a:rPr lang="es-MX" sz="1200" smtClean="0"/>
               <a:pPr/>
-              <a:t>25</a:t>
+              <a:t>24</a:t>
             </a:fld>
             <a:endParaRPr lang="es-MX" sz="1200"/>
           </a:p>
@@ -1312,7 +1022,7 @@
 </p:notes>
 </file>
 
-<file path=ppt/notesSlides/notesSlide14.xml><?xml version="1.0" encoding="utf-8"?>
+<file path=ppt/notesSlides/notesSlide13.xml><?xml version="1.0" encoding="utf-8"?>
 <p:notes xmlns:a="http://schemas.openxmlformats.org/drawingml/2006/main" xmlns:r="http://schemas.openxmlformats.org/officeDocument/2006/relationships" xmlns:p="http://schemas.openxmlformats.org/presentationml/2006/main">
   <p:cSld>
     <p:spTree>
@@ -1549,7 +1259,7 @@
             <a:fld id="{0608D962-800C-488D-BA7F-1F692CCBC88B}" type="slidenum">
               <a:rPr lang="es-MX" sz="1200" smtClean="0"/>
               <a:pPr/>
-              <a:t>26</a:t>
+              <a:t>25</a:t>
             </a:fld>
             <a:endParaRPr lang="es-MX" sz="1200"/>
           </a:p>
@@ -1847,52 +1557,6 @@
       </p:grpSpPr>
       <p:sp>
         <p:nvSpPr>
-          <p:cNvPr id="2" name="Notes Placeholder"/>
-          <p:cNvSpPr>
-            <a:spLocks noGrp="1"/>
-          </p:cNvSpPr>
-          <p:nvPr>
-            <p:ph type="body" idx="1"/>
-          </p:nvPr>
-        </p:nvSpPr>
-        <p:spPr/>
-        <p:txBody>
-          <a:bodyPr>
-            <a:normAutofit/>
-          </a:bodyPr>
-          <a:lstStyle/>
-          <a:p>
-            <a:endParaRPr/>
-          </a:p>
-        </p:txBody>
-      </p:sp>
-    </p:spTree>
-  </p:cSld>
-  <p:clrMapOvr>
-    <a:masterClrMapping/>
-  </p:clrMapOvr>
-</p:notes>
-</file>
-
-<file path=ppt/notesSlides/notesSlide7.xml><?xml version="1.0" encoding="utf-8"?>
-<p:notes xmlns:a="http://schemas.openxmlformats.org/drawingml/2006/main" xmlns:r="http://schemas.openxmlformats.org/officeDocument/2006/relationships" xmlns:p="http://schemas.openxmlformats.org/presentationml/2006/main">
-  <p:cSld>
-    <p:spTree>
-      <p:nvGrpSpPr>
-        <p:cNvPr id="1" name=""/>
-        <p:cNvGrpSpPr/>
-        <p:nvPr/>
-      </p:nvGrpSpPr>
-      <p:grpSpPr>
-        <a:xfrm>
-          <a:off x="0" y="0"/>
-          <a:ext cx="0" cy="0"/>
-          <a:chOff x="0" y="0"/>
-          <a:chExt cx="0" cy="0"/>
-        </a:xfrm>
-      </p:grpSpPr>
-      <p:sp>
-        <p:nvSpPr>
           <p:cNvPr id="2" name="Marcador de imagen de diapositiva 1"/>
           <p:cNvSpPr>
             <a:spLocks noGrp="1" noRot="1" noChangeAspect="1"/>
@@ -1939,7 +1603,7 @@
           <a:p>
             <a:fld id="{5993AEC0-242E-4FA7-9D3C-51E1036AC3CB}" type="slidenum">
               <a:rPr lang="es-MX" smtClean="0"/>
-              <a:t>12</a:t>
+              <a:t>11</a:t>
             </a:fld>
             <a:endParaRPr lang="es-MX" dirty="0"/>
           </a:p>
@@ -1958,7 +1622,7 @@
 </p:notes>
 </file>
 
-<file path=ppt/notesSlides/notesSlide8.xml><?xml version="1.0" encoding="utf-8"?>
+<file path=ppt/notesSlides/notesSlide7.xml><?xml version="1.0" encoding="utf-8"?>
 <p:notes xmlns:a="http://schemas.openxmlformats.org/drawingml/2006/main" xmlns:r="http://schemas.openxmlformats.org/officeDocument/2006/relationships" xmlns:p="http://schemas.openxmlformats.org/presentationml/2006/main">
   <p:cSld>
     <p:spTree>
@@ -2195,7 +1859,7 @@
             <a:fld id="{5FD3E4D5-C6C4-4F7B-9C80-386F641F5605}" type="slidenum">
               <a:rPr lang="es-MX" sz="1200" smtClean="0"/>
               <a:pPr/>
-              <a:t>16</a:t>
+              <a:t>15</a:t>
             </a:fld>
             <a:endParaRPr lang="es-MX" sz="1200"/>
           </a:p>
@@ -2214,7 +1878,7 @@
 </p:notes>
 </file>
 
-<file path=ppt/notesSlides/notesSlide9.xml><?xml version="1.0" encoding="utf-8"?>
+<file path=ppt/notesSlides/notesSlide8.xml><?xml version="1.0" encoding="utf-8"?>
 <p:notes xmlns:a="http://schemas.openxmlformats.org/drawingml/2006/main" xmlns:r="http://schemas.openxmlformats.org/officeDocument/2006/relationships" xmlns:p="http://schemas.openxmlformats.org/presentationml/2006/main">
   <p:cSld>
     <p:spTree>
@@ -2265,6 +1929,295 @@
 </p:notes>
 </file>
 
+<file path=ppt/notesSlides/notesSlide9.xml><?xml version="1.0" encoding="utf-8"?>
+<p:notes xmlns:a="http://schemas.openxmlformats.org/drawingml/2006/main" xmlns:r="http://schemas.openxmlformats.org/officeDocument/2006/relationships" xmlns:p="http://schemas.openxmlformats.org/presentationml/2006/main">
+  <p:cSld>
+    <p:spTree>
+      <p:nvGrpSpPr>
+        <p:cNvPr id="1" name=""/>
+        <p:cNvGrpSpPr/>
+        <p:nvPr/>
+      </p:nvGrpSpPr>
+      <p:grpSpPr>
+        <a:xfrm>
+          <a:off x="0" y="0"/>
+          <a:ext cx="0" cy="0"/>
+          <a:chOff x="0" y="0"/>
+          <a:chExt cx="0" cy="0"/>
+        </a:xfrm>
+      </p:grpSpPr>
+      <p:sp>
+        <p:nvSpPr>
+          <p:cNvPr id="22529" name="Rectangle 11"/>
+          <p:cNvSpPr>
+            <a:spLocks noGrp="1" noChangeArrowheads="1"/>
+          </p:cNvSpPr>
+          <p:nvPr>
+            <p:ph type="sldNum" sz="quarter" idx="5"/>
+          </p:nvPr>
+        </p:nvSpPr>
+        <p:spPr>
+          <a:noFill/>
+          <a:ln/>
+          <a:extLst>
+            <a:ext uri="{909E8E84-426E-40DD-AFC4-6F175D3DCCD1}">
+              <a14:hiddenFill xmlns:a14="http://schemas.microsoft.com/office/drawing/2010/main">
+                <a:solidFill>
+                  <a:srgbClr val="FFFFFF"/>
+                </a:solidFill>
+              </a14:hiddenFill>
+            </a:ext>
+            <a:ext uri="{91240B29-F687-4F45-9708-019B960494DF}">
+              <a14:hiddenLine xmlns:a14="http://schemas.microsoft.com/office/drawing/2010/main" w="9525">
+                <a:solidFill>
+                  <a:srgbClr val="000000"/>
+                </a:solidFill>
+                <a:miter lim="800000"/>
+                <a:headEnd/>
+                <a:tailEnd/>
+              </a14:hiddenLine>
+            </a:ext>
+          </a:extLst>
+        </p:spPr>
+        <p:txBody>
+          <a:bodyPr/>
+          <a:lstStyle>
+            <a:lvl1pPr defTabSz="903288">
+              <a:defRPr sz="2400">
+                <a:solidFill>
+                  <a:schemeClr val="tx1"/>
+                </a:solidFill>
+                <a:latin typeface="Arial" charset="0"/>
+                <a:ea typeface="ＭＳ Ｐゴシック" charset="0"/>
+                <a:cs typeface="ＭＳ Ｐゴシック" charset="0"/>
+              </a:defRPr>
+            </a:lvl1pPr>
+            <a:lvl2pPr marL="742950" indent="-285750" defTabSz="903288">
+              <a:defRPr sz="2400">
+                <a:solidFill>
+                  <a:schemeClr val="tx1"/>
+                </a:solidFill>
+                <a:latin typeface="Arial" charset="0"/>
+                <a:ea typeface="ＭＳ Ｐゴシック" charset="0"/>
+              </a:defRPr>
+            </a:lvl2pPr>
+            <a:lvl3pPr marL="1143000" indent="-228600" defTabSz="903288">
+              <a:defRPr sz="2400">
+                <a:solidFill>
+                  <a:schemeClr val="tx1"/>
+                </a:solidFill>
+                <a:latin typeface="Arial" charset="0"/>
+                <a:ea typeface="ＭＳ Ｐゴシック" charset="0"/>
+              </a:defRPr>
+            </a:lvl3pPr>
+            <a:lvl4pPr marL="1600200" indent="-228600" defTabSz="903288">
+              <a:defRPr sz="2400">
+                <a:solidFill>
+                  <a:schemeClr val="tx1"/>
+                </a:solidFill>
+                <a:latin typeface="Arial" charset="0"/>
+                <a:ea typeface="ＭＳ Ｐゴシック" charset="0"/>
+              </a:defRPr>
+            </a:lvl4pPr>
+            <a:lvl5pPr marL="2057400" indent="-228600" defTabSz="903288">
+              <a:defRPr sz="2400">
+                <a:solidFill>
+                  <a:schemeClr val="tx1"/>
+                </a:solidFill>
+                <a:latin typeface="Arial" charset="0"/>
+                <a:ea typeface="ＭＳ Ｐゴシック" charset="0"/>
+              </a:defRPr>
+            </a:lvl5pPr>
+            <a:lvl6pPr marL="2514600" indent="-228600" algn="ctr" defTabSz="903288" eaLnBrk="0" fontAlgn="base" hangingPunct="0">
+              <a:lnSpc>
+                <a:spcPct val="90000"/>
+              </a:lnSpc>
+              <a:spcBef>
+                <a:spcPct val="0"/>
+              </a:spcBef>
+              <a:spcAft>
+                <a:spcPct val="0"/>
+              </a:spcAft>
+              <a:defRPr sz="2400">
+                <a:solidFill>
+                  <a:schemeClr val="tx1"/>
+                </a:solidFill>
+                <a:latin typeface="Arial" charset="0"/>
+                <a:ea typeface="ＭＳ Ｐゴシック" charset="0"/>
+              </a:defRPr>
+            </a:lvl6pPr>
+            <a:lvl7pPr marL="2971800" indent="-228600" algn="ctr" defTabSz="903288" eaLnBrk="0" fontAlgn="base" hangingPunct="0">
+              <a:lnSpc>
+                <a:spcPct val="90000"/>
+              </a:lnSpc>
+              <a:spcBef>
+                <a:spcPct val="0"/>
+              </a:spcBef>
+              <a:spcAft>
+                <a:spcPct val="0"/>
+              </a:spcAft>
+              <a:defRPr sz="2400">
+                <a:solidFill>
+                  <a:schemeClr val="tx1"/>
+                </a:solidFill>
+                <a:latin typeface="Arial" charset="0"/>
+                <a:ea typeface="ＭＳ Ｐゴシック" charset="0"/>
+              </a:defRPr>
+            </a:lvl7pPr>
+            <a:lvl8pPr marL="3429000" indent="-228600" algn="ctr" defTabSz="903288" eaLnBrk="0" fontAlgn="base" hangingPunct="0">
+              <a:lnSpc>
+                <a:spcPct val="90000"/>
+              </a:lnSpc>
+              <a:spcBef>
+                <a:spcPct val="0"/>
+              </a:spcBef>
+              <a:spcAft>
+                <a:spcPct val="0"/>
+              </a:spcAft>
+              <a:defRPr sz="2400">
+                <a:solidFill>
+                  <a:schemeClr val="tx1"/>
+                </a:solidFill>
+                <a:latin typeface="Arial" charset="0"/>
+                <a:ea typeface="ＭＳ Ｐゴシック" charset="0"/>
+              </a:defRPr>
+            </a:lvl8pPr>
+            <a:lvl9pPr marL="3886200" indent="-228600" algn="ctr" defTabSz="903288" eaLnBrk="0" fontAlgn="base" hangingPunct="0">
+              <a:lnSpc>
+                <a:spcPct val="90000"/>
+              </a:lnSpc>
+              <a:spcBef>
+                <a:spcPct val="0"/>
+              </a:spcBef>
+              <a:spcAft>
+                <a:spcPct val="0"/>
+              </a:spcAft>
+              <a:defRPr sz="2400">
+                <a:solidFill>
+                  <a:schemeClr val="tx1"/>
+                </a:solidFill>
+                <a:latin typeface="Arial" charset="0"/>
+                <a:ea typeface="ＭＳ Ｐゴシック" charset="0"/>
+              </a:defRPr>
+            </a:lvl9pPr>
+          </a:lstStyle>
+          <a:p>
+            <a:fld id="{3997A419-355F-A04A-96E0-21643AF8E9FF}" type="slidenum">
+              <a:rPr lang="en-US" sz="800"/>
+              <a:pPr/>
+              <a:t>21</a:t>
+            </a:fld>
+            <a:endParaRPr lang="es-ES" sz="800"/>
+          </a:p>
+        </p:txBody>
+      </p:sp>
+      <p:sp>
+        <p:nvSpPr>
+          <p:cNvPr id="22530" name="Rectangle 2"/>
+          <p:cNvSpPr>
+            <a:spLocks noGrp="1" noRot="1" noChangeAspect="1" noChangeArrowheads="1" noTextEdit="1"/>
+          </p:cNvSpPr>
+          <p:nvPr>
+            <p:ph type="sldImg"/>
+          </p:nvPr>
+        </p:nvSpPr>
+        <p:spPr>
+          <a:ln/>
+        </p:spPr>
+      </p:sp>
+      <p:sp>
+        <p:nvSpPr>
+          <p:cNvPr id="22531" name="Rectangle 3"/>
+          <p:cNvSpPr>
+            <a:spLocks noGrp="1" noChangeArrowheads="1"/>
+          </p:cNvSpPr>
+          <p:nvPr>
+            <p:ph type="body" idx="1"/>
+          </p:nvPr>
+        </p:nvSpPr>
+        <p:spPr>
+          <a:noFill/>
+          <a:ln/>
+          <a:extLst>
+            <a:ext uri="{909E8E84-426E-40DD-AFC4-6F175D3DCCD1}">
+              <a14:hiddenFill xmlns:a14="http://schemas.microsoft.com/office/drawing/2010/main">
+                <a:solidFill>
+                  <a:srgbClr val="FFFFFF"/>
+                </a:solidFill>
+              </a14:hiddenFill>
+            </a:ext>
+            <a:ext uri="{91240B29-F687-4F45-9708-019B960494DF}">
+              <a14:hiddenLine xmlns:a14="http://schemas.microsoft.com/office/drawing/2010/main" w="9525">
+                <a:solidFill>
+                  <a:srgbClr val="000000"/>
+                </a:solidFill>
+                <a:miter lim="800000"/>
+                <a:headEnd/>
+                <a:tailEnd/>
+              </a14:hiddenLine>
+            </a:ext>
+          </a:extLst>
+        </p:spPr>
+        <p:txBody>
+          <a:bodyPr/>
+          <a:lstStyle/>
+          <a:p>
+            <a:pPr>
+              <a:buFontTx/>
+              <a:buNone/>
+            </a:pPr>
+            <a:r>
+              <a:rPr lang="es-ES" b="0" dirty="0"/>
+              <a:t>1.1 – Configuración inicial del router</a:t>
+            </a:r>
+          </a:p>
+          <a:p>
+            <a:pPr>
+              <a:buFontTx/>
+              <a:buNone/>
+            </a:pPr>
+            <a:r>
+              <a:rPr lang="es-ES" b="0" baseline="0" dirty="0"/>
+              <a:t>1.1.2 – Conectar dispositivos</a:t>
+            </a:r>
+            <a:endParaRPr lang="es-ES" dirty="0"/>
+          </a:p>
+          <a:p>
+            <a:pPr>
+              <a:lnSpc>
+                <a:spcPct val="80000"/>
+              </a:lnSpc>
+              <a:buFontTx/>
+              <a:buNone/>
+            </a:pPr>
+            <a:r>
+              <a:rPr lang="es-ES" dirty="0"/>
+              <a:t>1.1.2.2 – </a:t>
+            </a:r>
+            <a:r>
+              <a:rPr lang="es-ES" dirty="0" err="1"/>
+              <a:t>Gateways</a:t>
+            </a:r>
+            <a:r>
+              <a:rPr lang="es-ES" dirty="0"/>
+              <a:t> predeterminados</a:t>
+            </a:r>
+          </a:p>
+        </p:txBody>
+      </p:sp>
+    </p:spTree>
+    <p:extLst>
+      <p:ext uri="{BB962C8B-B14F-4D97-AF65-F5344CB8AC3E}">
+        <p14:creationId xmlns:p14="http://schemas.microsoft.com/office/powerpoint/2010/main" val="1330000578"/>
+      </p:ext>
+    </p:extLst>
+  </p:cSld>
+  <p:clrMapOvr>
+    <a:masterClrMapping/>
+  </p:clrMapOvr>
+</p:notes>
+</file>
+
 <file path=ppt/slideLayouts/slideLayout1.xml><?xml version="1.0" encoding="utf-8"?>
 <p:sldLayout xmlns:a="http://schemas.openxmlformats.org/drawingml/2006/main" xmlns:r="http://schemas.openxmlformats.org/officeDocument/2006/relationships" xmlns:p="http://schemas.openxmlformats.org/presentationml/2006/main" type="title" preserve="1">
   <p:cSld name="Diapositiva de título">
@@ -2446,7 +2399,7 @@
           <a:p>
             <a:fld id="{5E75A0DC-66C6-4CEC-A5EB-F8C97CEC3796}" type="datetimeFigureOut">
               <a:rPr lang="es-MX" smtClean="0"/>
-              <a:t>14/05/2023</a:t>
+              <a:t>15/05/2023</a:t>
             </a:fld>
             <a:endParaRPr lang="es-MX" dirty="0"/>
           </a:p>
@@ -2616,7 +2569,7 @@
           <a:p>
             <a:fld id="{5E75A0DC-66C6-4CEC-A5EB-F8C97CEC3796}" type="datetimeFigureOut">
               <a:rPr lang="es-MX" smtClean="0"/>
-              <a:t>14/05/2023</a:t>
+              <a:t>15/05/2023</a:t>
             </a:fld>
             <a:endParaRPr lang="es-MX" dirty="0"/>
           </a:p>
@@ -2796,7 +2749,7 @@
           <a:p>
             <a:fld id="{5E75A0DC-66C6-4CEC-A5EB-F8C97CEC3796}" type="datetimeFigureOut">
               <a:rPr lang="es-MX" smtClean="0"/>
-              <a:t>14/05/2023</a:t>
+              <a:t>15/05/2023</a:t>
             </a:fld>
             <a:endParaRPr lang="es-MX" dirty="0"/>
           </a:p>
@@ -2966,7 +2919,7 @@
           <a:p>
             <a:fld id="{5E75A0DC-66C6-4CEC-A5EB-F8C97CEC3796}" type="datetimeFigureOut">
               <a:rPr lang="es-MX" smtClean="0"/>
-              <a:t>14/05/2023</a:t>
+              <a:t>15/05/2023</a:t>
             </a:fld>
             <a:endParaRPr lang="es-MX" dirty="0"/>
           </a:p>
@@ -3212,7 +3165,7 @@
           <a:p>
             <a:fld id="{5E75A0DC-66C6-4CEC-A5EB-F8C97CEC3796}" type="datetimeFigureOut">
               <a:rPr lang="es-MX" smtClean="0"/>
-              <a:t>14/05/2023</a:t>
+              <a:t>15/05/2023</a:t>
             </a:fld>
             <a:endParaRPr lang="es-MX" dirty="0"/>
           </a:p>
@@ -3500,7 +3453,7 @@
           <a:p>
             <a:fld id="{5E75A0DC-66C6-4CEC-A5EB-F8C97CEC3796}" type="datetimeFigureOut">
               <a:rPr lang="es-MX" smtClean="0"/>
-              <a:t>14/05/2023</a:t>
+              <a:t>15/05/2023</a:t>
             </a:fld>
             <a:endParaRPr lang="es-MX" dirty="0"/>
           </a:p>
@@ -3922,7 +3875,7 @@
           <a:p>
             <a:fld id="{5E75A0DC-66C6-4CEC-A5EB-F8C97CEC3796}" type="datetimeFigureOut">
               <a:rPr lang="es-MX" smtClean="0"/>
-              <a:t>14/05/2023</a:t>
+              <a:t>15/05/2023</a:t>
             </a:fld>
             <a:endParaRPr lang="es-MX" dirty="0"/>
           </a:p>
@@ -4040,7 +3993,7 @@
           <a:p>
             <a:fld id="{5E75A0DC-66C6-4CEC-A5EB-F8C97CEC3796}" type="datetimeFigureOut">
               <a:rPr lang="es-MX" smtClean="0"/>
-              <a:t>14/05/2023</a:t>
+              <a:t>15/05/2023</a:t>
             </a:fld>
             <a:endParaRPr lang="es-MX" dirty="0"/>
           </a:p>
@@ -4135,7 +4088,7 @@
           <a:p>
             <a:fld id="{5E75A0DC-66C6-4CEC-A5EB-F8C97CEC3796}" type="datetimeFigureOut">
               <a:rPr lang="es-MX" smtClean="0"/>
-              <a:t>14/05/2023</a:t>
+              <a:t>15/05/2023</a:t>
             </a:fld>
             <a:endParaRPr lang="es-MX" dirty="0"/>
           </a:p>
@@ -4412,7 +4365,7 @@
           <a:p>
             <a:fld id="{5E75A0DC-66C6-4CEC-A5EB-F8C97CEC3796}" type="datetimeFigureOut">
               <a:rPr lang="es-MX" smtClean="0"/>
-              <a:t>14/05/2023</a:t>
+              <a:t>15/05/2023</a:t>
             </a:fld>
             <a:endParaRPr lang="es-MX" dirty="0"/>
           </a:p>
@@ -4665,7 +4618,7 @@
           <a:p>
             <a:fld id="{5E75A0DC-66C6-4CEC-A5EB-F8C97CEC3796}" type="datetimeFigureOut">
               <a:rPr lang="es-MX" smtClean="0"/>
-              <a:t>14/05/2023</a:t>
+              <a:t>15/05/2023</a:t>
             </a:fld>
             <a:endParaRPr lang="es-MX" dirty="0"/>
           </a:p>
@@ -4878,7 +4831,7 @@
           <a:p>
             <a:fld id="{5E75A0DC-66C6-4CEC-A5EB-F8C97CEC3796}" type="datetimeFigureOut">
               <a:rPr lang="es-MX" smtClean="0"/>
-              <a:t>14/05/2023</a:t>
+              <a:t>15/05/2023</a:t>
             </a:fld>
             <a:endParaRPr lang="es-MX" dirty="0"/>
           </a:p>
@@ -6413,140 +6366,6 @@
           <a:chExt cx="0" cy="0"/>
         </a:xfrm>
       </p:grpSpPr>
-      <p:sp>
-        <p:nvSpPr>
-          <p:cNvPr id="3" name="object 3"/>
-          <p:cNvSpPr/>
-          <p:nvPr/>
-        </p:nvSpPr>
-        <p:spPr>
-          <a:xfrm>
-            <a:off x="1328167" y="1723644"/>
-            <a:ext cx="6487667" cy="4041647"/>
-          </a:xfrm>
-          <a:prstGeom prst="rect">
-            <a:avLst/>
-          </a:prstGeom>
-          <a:blipFill>
-            <a:blip r:embed="rId3" cstate="print"/>
-            <a:stretch>
-              <a:fillRect/>
-            </a:stretch>
-          </a:blipFill>
-        </p:spPr>
-        <p:txBody>
-          <a:bodyPr wrap="square" lIns="0" tIns="0" rIns="0" bIns="0" rtlCol="0"/>
-          <a:lstStyle/>
-          <a:p>
-            <a:endParaRPr sz="1350"/>
-          </a:p>
-        </p:txBody>
-      </p:sp>
-      <p:sp>
-        <p:nvSpPr>
-          <p:cNvPr id="6" name="Rectangle 2">
-            <a:extLst>
-              <a:ext uri="{FF2B5EF4-FFF2-40B4-BE49-F238E27FC236}">
-                <a16:creationId xmlns:a16="http://schemas.microsoft.com/office/drawing/2014/main" id="{C56B537B-B24C-4B7D-B0B8-2F22F261E704}"/>
-              </a:ext>
-            </a:extLst>
-          </p:cNvPr>
-          <p:cNvSpPr txBox="1">
-            <a:spLocks noChangeArrowheads="1"/>
-          </p:cNvSpPr>
-          <p:nvPr/>
-        </p:nvSpPr>
-        <p:spPr>
-          <a:xfrm>
-            <a:off x="107504" y="125760"/>
-            <a:ext cx="8964488" cy="1143000"/>
-          </a:xfrm>
-          <a:prstGeom prst="rect">
-            <a:avLst/>
-          </a:prstGeom>
-        </p:spPr>
-        <p:txBody>
-          <a:bodyPr vert="horz" lIns="92075" tIns="46038" rIns="92075" bIns="46038" rtlCol="0" anchor="ctr">
-            <a:noAutofit/>
-          </a:bodyPr>
-          <a:lstStyle>
-            <a:lvl1pPr algn="ctr" defTabSz="914400" rtl="0" eaLnBrk="1" latinLnBrk="0" hangingPunct="1">
-              <a:spcBef>
-                <a:spcPct val="0"/>
-              </a:spcBef>
-              <a:buNone/>
-              <a:defRPr sz="4400" kern="1200">
-                <a:solidFill>
-                  <a:schemeClr val="tx1"/>
-                </a:solidFill>
-                <a:latin typeface="+mj-lt"/>
-                <a:ea typeface="+mj-ea"/>
-                <a:cs typeface="+mj-cs"/>
-              </a:defRPr>
-            </a:lvl1pPr>
-          </a:lstStyle>
-          <a:p>
-            <a:pPr>
-              <a:defRPr/>
-            </a:pPr>
-            <a:r>
-              <a:rPr lang="es-ES_tradnl" sz="3200" dirty="0">
-                <a:solidFill>
-                  <a:srgbClr val="3333CC"/>
-                </a:solidFill>
-                <a:effectLst>
-                  <a:outerShdw blurRad="38100" dist="38100" dir="2700000" algn="tl">
-                    <a:srgbClr val="C0C0C0"/>
-                  </a:outerShdw>
-                </a:effectLst>
-                <a:latin typeface="Dom Casual" charset="0"/>
-              </a:rPr>
-              <a:t> </a:t>
-            </a:r>
-            <a:r>
-              <a:rPr lang="es-ES_tradnl" sz="3200" b="1" dirty="0">
-                <a:solidFill>
-                  <a:schemeClr val="accent4">
-                    <a:lumMod val="50000"/>
-                  </a:schemeClr>
-                </a:solidFill>
-                <a:effectLst>
-                  <a:outerShdw blurRad="38100" dist="38100" dir="2700000" algn="tl">
-                    <a:srgbClr val="C0C0C0"/>
-                  </a:outerShdw>
-                </a:effectLst>
-                <a:latin typeface="Dom Casual" charset="0"/>
-              </a:rPr>
-              <a:t>Segmentación y encapsulamiento</a:t>
-            </a:r>
-          </a:p>
-        </p:txBody>
-      </p:sp>
-    </p:spTree>
-  </p:cSld>
-  <p:clrMapOvr>
-    <a:masterClrMapping/>
-  </p:clrMapOvr>
-</p:sld>
-</file>
-
-<file path=ppt/slides/slide12.xml><?xml version="1.0" encoding="utf-8"?>
-<p:sld xmlns:a="http://schemas.openxmlformats.org/drawingml/2006/main" xmlns:r="http://schemas.openxmlformats.org/officeDocument/2006/relationships" xmlns:p="http://schemas.openxmlformats.org/presentationml/2006/main">
-  <p:cSld>
-    <p:spTree>
-      <p:nvGrpSpPr>
-        <p:cNvPr id="1" name=""/>
-        <p:cNvGrpSpPr/>
-        <p:nvPr/>
-      </p:nvGrpSpPr>
-      <p:grpSpPr>
-        <a:xfrm>
-          <a:off x="0" y="0"/>
-          <a:ext cx="0" cy="0"/>
-          <a:chOff x="0" y="0"/>
-          <a:chExt cx="0" cy="0"/>
-        </a:xfrm>
-      </p:grpSpPr>
       <p:pic>
         <p:nvPicPr>
           <p:cNvPr id="15362" name="Picture 2"/>
@@ -7337,7 +7156,7 @@
 </p:sld>
 </file>
 
-<file path=ppt/slides/slide13.xml><?xml version="1.0" encoding="utf-8"?>
+<file path=ppt/slides/slide12.xml><?xml version="1.0" encoding="utf-8"?>
 <p:sld xmlns:a="http://schemas.openxmlformats.org/drawingml/2006/main" xmlns:r="http://schemas.openxmlformats.org/officeDocument/2006/relationships" xmlns:p="http://schemas.openxmlformats.org/presentationml/2006/main">
   <p:cSld>
     <p:spTree>
@@ -7540,7 +7359,7 @@
 </p:sld>
 </file>
 
-<file path=ppt/slides/slide14.xml><?xml version="1.0" encoding="utf-8"?>
+<file path=ppt/slides/slide13.xml><?xml version="1.0" encoding="utf-8"?>
 <p:sld xmlns:a="http://schemas.openxmlformats.org/drawingml/2006/main" xmlns:r="http://schemas.openxmlformats.org/officeDocument/2006/relationships" xmlns:p="http://schemas.openxmlformats.org/presentationml/2006/main">
   <p:cSld>
     <p:spTree>
@@ -7743,7 +7562,7 @@
 </p:sld>
 </file>
 
-<file path=ppt/slides/slide15.xml><?xml version="1.0" encoding="utf-8"?>
+<file path=ppt/slides/slide14.xml><?xml version="1.0" encoding="utf-8"?>
 <p:sld xmlns:a="http://schemas.openxmlformats.org/drawingml/2006/main" xmlns:r="http://schemas.openxmlformats.org/officeDocument/2006/relationships" xmlns:p="http://schemas.openxmlformats.org/presentationml/2006/main">
   <p:cSld>
     <p:spTree>
@@ -8958,7 +8777,7 @@
 </p:sld>
 </file>
 
-<file path=ppt/slides/slide16.xml><?xml version="1.0" encoding="utf-8"?>
+<file path=ppt/slides/slide15.xml><?xml version="1.0" encoding="utf-8"?>
 <p:sld xmlns:a="http://schemas.openxmlformats.org/drawingml/2006/main" xmlns:r="http://schemas.openxmlformats.org/officeDocument/2006/relationships" xmlns:p="http://schemas.openxmlformats.org/presentationml/2006/main">
   <p:cSld>
     <p:spTree>
@@ -11860,7 +11679,7 @@
 </p:sld>
 </file>
 
-<file path=ppt/slides/slide17.xml><?xml version="1.0" encoding="utf-8"?>
+<file path=ppt/slides/slide16.xml><?xml version="1.0" encoding="utf-8"?>
 <p:sld xmlns:a="http://schemas.openxmlformats.org/drawingml/2006/main" xmlns:r="http://schemas.openxmlformats.org/officeDocument/2006/relationships" xmlns:p="http://schemas.openxmlformats.org/presentationml/2006/main">
   <p:cSld>
     <p:spTree>
@@ -12018,7 +11837,7 @@
 </p:sld>
 </file>
 
-<file path=ppt/slides/slide18.xml><?xml version="1.0" encoding="utf-8"?>
+<file path=ppt/slides/slide17.xml><?xml version="1.0" encoding="utf-8"?>
 <p:sld xmlns:a="http://schemas.openxmlformats.org/drawingml/2006/main" xmlns:r="http://schemas.openxmlformats.org/officeDocument/2006/relationships" xmlns:p="http://schemas.openxmlformats.org/presentationml/2006/main">
   <p:cSld>
     <p:spTree>
@@ -12157,7 +11976,7 @@
 </p:sld>
 </file>
 
-<file path=ppt/slides/slide19.xml><?xml version="1.0" encoding="utf-8"?>
+<file path=ppt/slides/slide18.xml><?xml version="1.0" encoding="utf-8"?>
 <p:sld xmlns:a="http://schemas.openxmlformats.org/drawingml/2006/main" xmlns:r="http://schemas.openxmlformats.org/officeDocument/2006/relationships" xmlns:p="http://schemas.openxmlformats.org/presentationml/2006/main">
   <p:cSld>
     <p:spTree>
@@ -12936,531 +12755,7 @@
 </p:sld>
 </file>
 
-<file path=ppt/slides/slide2.xml><?xml version="1.0" encoding="utf-8"?>
-<p:sld xmlns:a="http://schemas.openxmlformats.org/drawingml/2006/main" xmlns:r="http://schemas.openxmlformats.org/officeDocument/2006/relationships" xmlns:p="http://schemas.openxmlformats.org/presentationml/2006/main">
-  <p:cSld>
-    <p:spTree>
-      <p:nvGrpSpPr>
-        <p:cNvPr id="1" name=""/>
-        <p:cNvGrpSpPr/>
-        <p:nvPr/>
-      </p:nvGrpSpPr>
-      <p:grpSpPr>
-        <a:xfrm>
-          <a:off x="0" y="0"/>
-          <a:ext cx="0" cy="0"/>
-          <a:chOff x="0" y="0"/>
-          <a:chExt cx="0" cy="0"/>
-        </a:xfrm>
-      </p:grpSpPr>
-      <p:sp>
-        <p:nvSpPr>
-          <p:cNvPr id="26629" name="Text Box 5"/>
-          <p:cNvSpPr txBox="1">
-            <a:spLocks noChangeArrowheads="1"/>
-          </p:cNvSpPr>
-          <p:nvPr/>
-        </p:nvSpPr>
-        <p:spPr bwMode="auto">
-          <a:xfrm>
-            <a:off x="539552" y="2492896"/>
-            <a:ext cx="4201566" cy="1524007"/>
-          </a:xfrm>
-          <a:prstGeom prst="rect">
-            <a:avLst/>
-          </a:prstGeom>
-          <a:noFill/>
-          <a:ln>
-            <a:noFill/>
-          </a:ln>
-          <a:extLst>
-            <a:ext uri="{909E8E84-426E-40DD-AFC4-6F175D3DCCD1}">
-              <a14:hiddenFill xmlns:a14="http://schemas.microsoft.com/office/drawing/2010/main">
-                <a:solidFill>
-                  <a:srgbClr val="FFFFFF"/>
-                </a:solidFill>
-              </a14:hiddenFill>
-            </a:ext>
-            <a:ext uri="{91240B29-F687-4F45-9708-019B960494DF}">
-              <a14:hiddenLine xmlns:a14="http://schemas.microsoft.com/office/drawing/2010/main" w="9525">
-                <a:solidFill>
-                  <a:srgbClr val="000000"/>
-                </a:solidFill>
-                <a:miter lim="800000"/>
-                <a:headEnd/>
-                <a:tailEnd/>
-              </a14:hiddenLine>
-            </a:ext>
-          </a:extLst>
-        </p:spPr>
-        <p:txBody>
-          <a:bodyPr wrap="square">
-            <a:spAutoFit/>
-          </a:bodyPr>
-          <a:lstStyle>
-            <a:lvl1pPr>
-              <a:defRPr sz="1600">
-                <a:solidFill>
-                  <a:schemeClr val="tx1"/>
-                </a:solidFill>
-                <a:latin typeface="Times New Roman" pitchFamily="18" charset="0"/>
-              </a:defRPr>
-            </a:lvl1pPr>
-            <a:lvl2pPr marL="742950" indent="-285750">
-              <a:defRPr sz="1600">
-                <a:solidFill>
-                  <a:schemeClr val="tx1"/>
-                </a:solidFill>
-                <a:latin typeface="Times New Roman" pitchFamily="18" charset="0"/>
-              </a:defRPr>
-            </a:lvl2pPr>
-            <a:lvl3pPr marL="1143000" indent="-228600">
-              <a:defRPr sz="1600">
-                <a:solidFill>
-                  <a:schemeClr val="tx1"/>
-                </a:solidFill>
-                <a:latin typeface="Times New Roman" pitchFamily="18" charset="0"/>
-              </a:defRPr>
-            </a:lvl3pPr>
-            <a:lvl4pPr marL="1600200" indent="-228600">
-              <a:defRPr sz="1600">
-                <a:solidFill>
-                  <a:schemeClr val="tx1"/>
-                </a:solidFill>
-                <a:latin typeface="Times New Roman" pitchFamily="18" charset="0"/>
-              </a:defRPr>
-            </a:lvl4pPr>
-            <a:lvl5pPr marL="2057400" indent="-228600">
-              <a:defRPr sz="1600">
-                <a:solidFill>
-                  <a:schemeClr val="tx1"/>
-                </a:solidFill>
-                <a:latin typeface="Times New Roman" pitchFamily="18" charset="0"/>
-              </a:defRPr>
-            </a:lvl5pPr>
-            <a:lvl6pPr marL="2514600" indent="-228600" eaLnBrk="0" fontAlgn="base" hangingPunct="0">
-              <a:spcBef>
-                <a:spcPct val="0"/>
-              </a:spcBef>
-              <a:spcAft>
-                <a:spcPct val="0"/>
-              </a:spcAft>
-              <a:defRPr sz="1600">
-                <a:solidFill>
-                  <a:schemeClr val="tx1"/>
-                </a:solidFill>
-                <a:latin typeface="Times New Roman" pitchFamily="18" charset="0"/>
-              </a:defRPr>
-            </a:lvl6pPr>
-            <a:lvl7pPr marL="2971800" indent="-228600" eaLnBrk="0" fontAlgn="base" hangingPunct="0">
-              <a:spcBef>
-                <a:spcPct val="0"/>
-              </a:spcBef>
-              <a:spcAft>
-                <a:spcPct val="0"/>
-              </a:spcAft>
-              <a:defRPr sz="1600">
-                <a:solidFill>
-                  <a:schemeClr val="tx1"/>
-                </a:solidFill>
-                <a:latin typeface="Times New Roman" pitchFamily="18" charset="0"/>
-              </a:defRPr>
-            </a:lvl7pPr>
-            <a:lvl8pPr marL="3429000" indent="-228600" eaLnBrk="0" fontAlgn="base" hangingPunct="0">
-              <a:spcBef>
-                <a:spcPct val="0"/>
-              </a:spcBef>
-              <a:spcAft>
-                <a:spcPct val="0"/>
-              </a:spcAft>
-              <a:defRPr sz="1600">
-                <a:solidFill>
-                  <a:schemeClr val="tx1"/>
-                </a:solidFill>
-                <a:latin typeface="Times New Roman" pitchFamily="18" charset="0"/>
-              </a:defRPr>
-            </a:lvl8pPr>
-            <a:lvl9pPr marL="3886200" indent="-228600" eaLnBrk="0" fontAlgn="base" hangingPunct="0">
-              <a:spcBef>
-                <a:spcPct val="0"/>
-              </a:spcBef>
-              <a:spcAft>
-                <a:spcPct val="0"/>
-              </a:spcAft>
-              <a:defRPr sz="1600">
-                <a:solidFill>
-                  <a:schemeClr val="tx1"/>
-                </a:solidFill>
-                <a:latin typeface="Times New Roman" pitchFamily="18" charset="0"/>
-              </a:defRPr>
-            </a:lvl9pPr>
-          </a:lstStyle>
-          <a:p>
-            <a:pPr marL="285750" indent="-285750">
-              <a:lnSpc>
-                <a:spcPct val="150000"/>
-              </a:lnSpc>
-              <a:buFont typeface="Arial" panose="020B0604020202020204" pitchFamily="34" charset="0"/>
-              <a:buChar char="•"/>
-            </a:pPr>
-            <a:r>
-              <a:rPr lang="es-MX" dirty="0">
-                <a:latin typeface="Arial" panose="020B0604020202020204" pitchFamily="34" charset="0"/>
-                <a:cs typeface="Arial" panose="020B0604020202020204" pitchFamily="34" charset="0"/>
-              </a:rPr>
-              <a:t>Elementos de un protocolo.</a:t>
-            </a:r>
-          </a:p>
-          <a:p>
-            <a:pPr marL="285750" indent="-285750">
-              <a:lnSpc>
-                <a:spcPct val="150000"/>
-              </a:lnSpc>
-              <a:buFont typeface="Arial" panose="020B0604020202020204" pitchFamily="34" charset="0"/>
-              <a:buChar char="•"/>
-            </a:pPr>
-            <a:r>
-              <a:rPr lang="es-MX" dirty="0">
-                <a:latin typeface="Arial" panose="020B0604020202020204" pitchFamily="34" charset="0"/>
-                <a:cs typeface="Arial" panose="020B0604020202020204" pitchFamily="34" charset="0"/>
-              </a:rPr>
-              <a:t>Unidades de datos de protocolo.</a:t>
-            </a:r>
-          </a:p>
-          <a:p>
-            <a:pPr marL="285750" indent="-285750">
-              <a:lnSpc>
-                <a:spcPct val="150000"/>
-              </a:lnSpc>
-              <a:buFont typeface="Arial" panose="020B0604020202020204" pitchFamily="34" charset="0"/>
-              <a:buChar char="•"/>
-            </a:pPr>
-            <a:r>
-              <a:rPr lang="es-MX" dirty="0">
-                <a:latin typeface="Arial" panose="020B0604020202020204" pitchFamily="34" charset="0"/>
-                <a:cs typeface="Arial" panose="020B0604020202020204" pitchFamily="34" charset="0"/>
-              </a:rPr>
-              <a:t>Segmentación y encapsulamiento.</a:t>
-            </a:r>
-          </a:p>
-          <a:p>
-            <a:pPr marL="285750" indent="-285750">
-              <a:lnSpc>
-                <a:spcPct val="150000"/>
-              </a:lnSpc>
-              <a:buFont typeface="Arial" panose="020B0604020202020204" pitchFamily="34" charset="0"/>
-              <a:buChar char="•"/>
-            </a:pPr>
-            <a:r>
-              <a:rPr lang="es-MX" dirty="0">
-                <a:latin typeface="Arial" panose="020B0604020202020204" pitchFamily="34" charset="0"/>
-                <a:cs typeface="Arial" panose="020B0604020202020204" pitchFamily="34" charset="0"/>
-              </a:rPr>
-              <a:t>Protocolos Modelo OSI</a:t>
-            </a:r>
-          </a:p>
-        </p:txBody>
-      </p:sp>
-      <p:sp>
-        <p:nvSpPr>
-          <p:cNvPr id="3078" name="Text Box 6"/>
-          <p:cNvSpPr txBox="1">
-            <a:spLocks noChangeArrowheads="1"/>
-          </p:cNvSpPr>
-          <p:nvPr/>
-        </p:nvSpPr>
-        <p:spPr bwMode="auto">
-          <a:xfrm>
-            <a:off x="802481" y="842147"/>
-            <a:ext cx="7539037" cy="584775"/>
-          </a:xfrm>
-          <a:prstGeom prst="rect">
-            <a:avLst/>
-          </a:prstGeom>
-          <a:noFill/>
-          <a:ln>
-            <a:noFill/>
-          </a:ln>
-          <a:extLst>
-            <a:ext uri="{909E8E84-426E-40DD-AFC4-6F175D3DCCD1}">
-              <a14:hiddenFill xmlns:a14="http://schemas.microsoft.com/office/drawing/2010/main">
-                <a:solidFill>
-                  <a:srgbClr val="FFFFFF"/>
-                </a:solidFill>
-              </a14:hiddenFill>
-            </a:ext>
-            <a:ext uri="{91240B29-F687-4F45-9708-019B960494DF}">
-              <a14:hiddenLine xmlns:a14="http://schemas.microsoft.com/office/drawing/2010/main" w="9525">
-                <a:solidFill>
-                  <a:srgbClr val="000000"/>
-                </a:solidFill>
-                <a:miter lim="800000"/>
-                <a:headEnd/>
-                <a:tailEnd/>
-              </a14:hiddenLine>
-            </a:ext>
-          </a:extLst>
-        </p:spPr>
-        <p:txBody>
-          <a:bodyPr wrap="square">
-            <a:spAutoFit/>
-          </a:bodyPr>
-          <a:lstStyle>
-            <a:lvl1pPr>
-              <a:defRPr sz="1600">
-                <a:solidFill>
-                  <a:schemeClr val="tx1"/>
-                </a:solidFill>
-                <a:latin typeface="Times New Roman" pitchFamily="18" charset="0"/>
-              </a:defRPr>
-            </a:lvl1pPr>
-            <a:lvl2pPr marL="742950" indent="-285750">
-              <a:defRPr sz="1600">
-                <a:solidFill>
-                  <a:schemeClr val="tx1"/>
-                </a:solidFill>
-                <a:latin typeface="Times New Roman" pitchFamily="18" charset="0"/>
-              </a:defRPr>
-            </a:lvl2pPr>
-            <a:lvl3pPr marL="1143000" indent="-228600">
-              <a:defRPr sz="1600">
-                <a:solidFill>
-                  <a:schemeClr val="tx1"/>
-                </a:solidFill>
-                <a:latin typeface="Times New Roman" pitchFamily="18" charset="0"/>
-              </a:defRPr>
-            </a:lvl3pPr>
-            <a:lvl4pPr marL="1600200" indent="-228600">
-              <a:defRPr sz="1600">
-                <a:solidFill>
-                  <a:schemeClr val="tx1"/>
-                </a:solidFill>
-                <a:latin typeface="Times New Roman" pitchFamily="18" charset="0"/>
-              </a:defRPr>
-            </a:lvl4pPr>
-            <a:lvl5pPr marL="2057400" indent="-228600">
-              <a:defRPr sz="1600">
-                <a:solidFill>
-                  <a:schemeClr val="tx1"/>
-                </a:solidFill>
-                <a:latin typeface="Times New Roman" pitchFamily="18" charset="0"/>
-              </a:defRPr>
-            </a:lvl5pPr>
-            <a:lvl6pPr marL="2514600" indent="-228600" eaLnBrk="0" fontAlgn="base" hangingPunct="0">
-              <a:spcBef>
-                <a:spcPct val="0"/>
-              </a:spcBef>
-              <a:spcAft>
-                <a:spcPct val="0"/>
-              </a:spcAft>
-              <a:defRPr sz="1600">
-                <a:solidFill>
-                  <a:schemeClr val="tx1"/>
-                </a:solidFill>
-                <a:latin typeface="Times New Roman" pitchFamily="18" charset="0"/>
-              </a:defRPr>
-            </a:lvl6pPr>
-            <a:lvl7pPr marL="2971800" indent="-228600" eaLnBrk="0" fontAlgn="base" hangingPunct="0">
-              <a:spcBef>
-                <a:spcPct val="0"/>
-              </a:spcBef>
-              <a:spcAft>
-                <a:spcPct val="0"/>
-              </a:spcAft>
-              <a:defRPr sz="1600">
-                <a:solidFill>
-                  <a:schemeClr val="tx1"/>
-                </a:solidFill>
-                <a:latin typeface="Times New Roman" pitchFamily="18" charset="0"/>
-              </a:defRPr>
-            </a:lvl7pPr>
-            <a:lvl8pPr marL="3429000" indent="-228600" eaLnBrk="0" fontAlgn="base" hangingPunct="0">
-              <a:spcBef>
-                <a:spcPct val="0"/>
-              </a:spcBef>
-              <a:spcAft>
-                <a:spcPct val="0"/>
-              </a:spcAft>
-              <a:defRPr sz="1600">
-                <a:solidFill>
-                  <a:schemeClr val="tx1"/>
-                </a:solidFill>
-                <a:latin typeface="Times New Roman" pitchFamily="18" charset="0"/>
-              </a:defRPr>
-            </a:lvl8pPr>
-            <a:lvl9pPr marL="3886200" indent="-228600" eaLnBrk="0" fontAlgn="base" hangingPunct="0">
-              <a:spcBef>
-                <a:spcPct val="0"/>
-              </a:spcBef>
-              <a:spcAft>
-                <a:spcPct val="0"/>
-              </a:spcAft>
-              <a:defRPr sz="1600">
-                <a:solidFill>
-                  <a:schemeClr val="tx1"/>
-                </a:solidFill>
-                <a:latin typeface="Times New Roman" pitchFamily="18" charset="0"/>
-              </a:defRPr>
-            </a:lvl9pPr>
-          </a:lstStyle>
-          <a:p>
-            <a:pPr algn="ctr">
-              <a:spcBef>
-                <a:spcPct val="50000"/>
-              </a:spcBef>
-            </a:pPr>
-            <a:r>
-              <a:rPr lang="es-MX" sz="3200" b="1" dirty="0">
-                <a:solidFill>
-                  <a:schemeClr val="accent4">
-                    <a:lumMod val="50000"/>
-                  </a:schemeClr>
-                </a:solidFill>
-                <a:effectLst>
-                  <a:outerShdw blurRad="38100" dist="38100" dir="2700000" algn="tl">
-                    <a:srgbClr val="C0C0C0"/>
-                  </a:outerShdw>
-                </a:effectLst>
-                <a:latin typeface="Dom Casual" charset="0"/>
-                <a:ea typeface="+mj-ea"/>
-                <a:cs typeface="+mj-cs"/>
-              </a:rPr>
-              <a:t>Agenda de esta sesión</a:t>
-            </a:r>
-          </a:p>
-        </p:txBody>
-      </p:sp>
-      <p:pic>
-        <p:nvPicPr>
-          <p:cNvPr id="5" name="Imagen 4">
-            <a:extLst>
-              <a:ext uri="{FF2B5EF4-FFF2-40B4-BE49-F238E27FC236}">
-                <a16:creationId xmlns:a16="http://schemas.microsoft.com/office/drawing/2014/main" id="{AA61FB84-1F26-4142-8C7D-E0ADFDC4AA1C}"/>
-              </a:ext>
-            </a:extLst>
-          </p:cNvPr>
-          <p:cNvPicPr>
-            <a:picLocks noChangeAspect="1"/>
-          </p:cNvPicPr>
-          <p:nvPr/>
-        </p:nvPicPr>
-        <p:blipFill>
-          <a:blip r:embed="rId2"/>
-          <a:stretch>
-            <a:fillRect/>
-          </a:stretch>
-        </p:blipFill>
-        <p:spPr>
-          <a:xfrm>
-            <a:off x="4278982" y="2060848"/>
-            <a:ext cx="4320480" cy="3174037"/>
-          </a:xfrm>
-          <a:prstGeom prst="rect">
-            <a:avLst/>
-          </a:prstGeom>
-        </p:spPr>
-      </p:pic>
-    </p:spTree>
-    <p:extLst>
-      <p:ext uri="{BB962C8B-B14F-4D97-AF65-F5344CB8AC3E}">
-        <p14:creationId xmlns:p14="http://schemas.microsoft.com/office/powerpoint/2010/main" val="1009664677"/>
-      </p:ext>
-    </p:extLst>
-  </p:cSld>
-  <p:clrMapOvr>
-    <a:masterClrMapping/>
-  </p:clrMapOvr>
-  <p:transition/>
-  <p:timing>
-    <p:tnLst>
-      <p:par>
-        <p:cTn id="1" dur="indefinite" restart="never" nodeType="tmRoot">
-          <p:childTnLst>
-            <p:seq concurrent="1" nextAc="seek">
-              <p:cTn id="2" dur="indefinite" nodeType="mainSeq">
-                <p:childTnLst>
-                  <p:par>
-                    <p:cTn id="3" fill="hold" nodeType="clickPar">
-                      <p:stCondLst>
-                        <p:cond delay="indefinite"/>
-                      </p:stCondLst>
-                      <p:childTnLst>
-                        <p:par>
-                          <p:cTn id="4" fill="hold" nodeType="withGroup">
-                            <p:stCondLst>
-                              <p:cond delay="0"/>
-                            </p:stCondLst>
-                            <p:childTnLst>
-                              <p:par>
-                                <p:cTn id="5" presetID="4" presetClass="entr" presetSubtype="16" fill="hold" grpId="0" nodeType="clickEffect">
-                                  <p:stCondLst>
-                                    <p:cond delay="0"/>
-                                  </p:stCondLst>
-                                  <p:childTnLst>
-                                    <p:set>
-                                      <p:cBhvr>
-                                        <p:cTn id="6" dur="1" fill="hold">
-                                          <p:stCondLst>
-                                            <p:cond delay="0"/>
-                                          </p:stCondLst>
-                                        </p:cTn>
-                                        <p:tgtEl>
-                                          <p:spTgt spid="26629"/>
-                                        </p:tgtEl>
-                                        <p:attrNameLst>
-                                          <p:attrName>style.visibility</p:attrName>
-                                        </p:attrNameLst>
-                                      </p:cBhvr>
-                                      <p:to>
-                                        <p:strVal val="visible"/>
-                                      </p:to>
-                                    </p:set>
-                                    <p:animEffect transition="in" filter="box(in)">
-                                      <p:cBhvr>
-                                        <p:cTn id="7" dur="500"/>
-                                        <p:tgtEl>
-                                          <p:spTgt spid="26629"/>
-                                        </p:tgtEl>
-                                      </p:cBhvr>
-                                    </p:animEffect>
-                                  </p:childTnLst>
-                                </p:cTn>
-                              </p:par>
-                            </p:childTnLst>
-                          </p:cTn>
-                        </p:par>
-                      </p:childTnLst>
-                    </p:cTn>
-                  </p:par>
-                </p:childTnLst>
-              </p:cTn>
-              <p:prevCondLst>
-                <p:cond evt="onPrev" delay="0">
-                  <p:tgtEl>
-                    <p:sldTgt/>
-                  </p:tgtEl>
-                </p:cond>
-              </p:prevCondLst>
-              <p:nextCondLst>
-                <p:cond evt="onNext" delay="0">
-                  <p:tgtEl>
-                    <p:sldTgt/>
-                  </p:tgtEl>
-                </p:cond>
-              </p:nextCondLst>
-            </p:seq>
-          </p:childTnLst>
-        </p:cTn>
-      </p:par>
-    </p:tnLst>
-    <p:bldLst>
-      <p:bldP spid="26629" grpId="0"/>
-    </p:bldLst>
-  </p:timing>
-</p:sld>
-</file>
-
-<file path=ppt/slides/slide20.xml><?xml version="1.0" encoding="utf-8"?>
+<file path=ppt/slides/slide19.xml><?xml version="1.0" encoding="utf-8"?>
 <p:sld xmlns:a="http://schemas.openxmlformats.org/drawingml/2006/main" xmlns:r="http://schemas.openxmlformats.org/officeDocument/2006/relationships" xmlns:p="http://schemas.openxmlformats.org/presentationml/2006/main">
   <p:cSld>
     <p:spTree>
@@ -14186,7 +13481,515 @@
 </p:sld>
 </file>
 
-<file path=ppt/slides/slide21.xml><?xml version="1.0" encoding="utf-8"?>
+<file path=ppt/slides/slide2.xml><?xml version="1.0" encoding="utf-8"?>
+<p:sld xmlns:a="http://schemas.openxmlformats.org/drawingml/2006/main" xmlns:r="http://schemas.openxmlformats.org/officeDocument/2006/relationships" xmlns:p="http://schemas.openxmlformats.org/presentationml/2006/main">
+  <p:cSld>
+    <p:spTree>
+      <p:nvGrpSpPr>
+        <p:cNvPr id="1" name=""/>
+        <p:cNvGrpSpPr/>
+        <p:nvPr/>
+      </p:nvGrpSpPr>
+      <p:grpSpPr>
+        <a:xfrm>
+          <a:off x="0" y="0"/>
+          <a:ext cx="0" cy="0"/>
+          <a:chOff x="0" y="0"/>
+          <a:chExt cx="0" cy="0"/>
+        </a:xfrm>
+      </p:grpSpPr>
+      <p:sp>
+        <p:nvSpPr>
+          <p:cNvPr id="26629" name="Text Box 5"/>
+          <p:cNvSpPr txBox="1">
+            <a:spLocks noChangeArrowheads="1"/>
+          </p:cNvSpPr>
+          <p:nvPr/>
+        </p:nvSpPr>
+        <p:spPr bwMode="auto">
+          <a:xfrm>
+            <a:off x="539552" y="2492896"/>
+            <a:ext cx="4201566" cy="1154675"/>
+          </a:xfrm>
+          <a:prstGeom prst="rect">
+            <a:avLst/>
+          </a:prstGeom>
+          <a:noFill/>
+          <a:ln>
+            <a:noFill/>
+          </a:ln>
+          <a:extLst>
+            <a:ext uri="{909E8E84-426E-40DD-AFC4-6F175D3DCCD1}">
+              <a14:hiddenFill xmlns:a14="http://schemas.microsoft.com/office/drawing/2010/main">
+                <a:solidFill>
+                  <a:srgbClr val="FFFFFF"/>
+                </a:solidFill>
+              </a14:hiddenFill>
+            </a:ext>
+            <a:ext uri="{91240B29-F687-4F45-9708-019B960494DF}">
+              <a14:hiddenLine xmlns:a14="http://schemas.microsoft.com/office/drawing/2010/main" w="9525">
+                <a:solidFill>
+                  <a:srgbClr val="000000"/>
+                </a:solidFill>
+                <a:miter lim="800000"/>
+                <a:headEnd/>
+                <a:tailEnd/>
+              </a14:hiddenLine>
+            </a:ext>
+          </a:extLst>
+        </p:spPr>
+        <p:txBody>
+          <a:bodyPr wrap="square">
+            <a:spAutoFit/>
+          </a:bodyPr>
+          <a:lstStyle>
+            <a:lvl1pPr>
+              <a:defRPr sz="1600">
+                <a:solidFill>
+                  <a:schemeClr val="tx1"/>
+                </a:solidFill>
+                <a:latin typeface="Times New Roman" pitchFamily="18" charset="0"/>
+              </a:defRPr>
+            </a:lvl1pPr>
+            <a:lvl2pPr marL="742950" indent="-285750">
+              <a:defRPr sz="1600">
+                <a:solidFill>
+                  <a:schemeClr val="tx1"/>
+                </a:solidFill>
+                <a:latin typeface="Times New Roman" pitchFamily="18" charset="0"/>
+              </a:defRPr>
+            </a:lvl2pPr>
+            <a:lvl3pPr marL="1143000" indent="-228600">
+              <a:defRPr sz="1600">
+                <a:solidFill>
+                  <a:schemeClr val="tx1"/>
+                </a:solidFill>
+                <a:latin typeface="Times New Roman" pitchFamily="18" charset="0"/>
+              </a:defRPr>
+            </a:lvl3pPr>
+            <a:lvl4pPr marL="1600200" indent="-228600">
+              <a:defRPr sz="1600">
+                <a:solidFill>
+                  <a:schemeClr val="tx1"/>
+                </a:solidFill>
+                <a:latin typeface="Times New Roman" pitchFamily="18" charset="0"/>
+              </a:defRPr>
+            </a:lvl4pPr>
+            <a:lvl5pPr marL="2057400" indent="-228600">
+              <a:defRPr sz="1600">
+                <a:solidFill>
+                  <a:schemeClr val="tx1"/>
+                </a:solidFill>
+                <a:latin typeface="Times New Roman" pitchFamily="18" charset="0"/>
+              </a:defRPr>
+            </a:lvl5pPr>
+            <a:lvl6pPr marL="2514600" indent="-228600" eaLnBrk="0" fontAlgn="base" hangingPunct="0">
+              <a:spcBef>
+                <a:spcPct val="0"/>
+              </a:spcBef>
+              <a:spcAft>
+                <a:spcPct val="0"/>
+              </a:spcAft>
+              <a:defRPr sz="1600">
+                <a:solidFill>
+                  <a:schemeClr val="tx1"/>
+                </a:solidFill>
+                <a:latin typeface="Times New Roman" pitchFamily="18" charset="0"/>
+              </a:defRPr>
+            </a:lvl6pPr>
+            <a:lvl7pPr marL="2971800" indent="-228600" eaLnBrk="0" fontAlgn="base" hangingPunct="0">
+              <a:spcBef>
+                <a:spcPct val="0"/>
+              </a:spcBef>
+              <a:spcAft>
+                <a:spcPct val="0"/>
+              </a:spcAft>
+              <a:defRPr sz="1600">
+                <a:solidFill>
+                  <a:schemeClr val="tx1"/>
+                </a:solidFill>
+                <a:latin typeface="Times New Roman" pitchFamily="18" charset="0"/>
+              </a:defRPr>
+            </a:lvl7pPr>
+            <a:lvl8pPr marL="3429000" indent="-228600" eaLnBrk="0" fontAlgn="base" hangingPunct="0">
+              <a:spcBef>
+                <a:spcPct val="0"/>
+              </a:spcBef>
+              <a:spcAft>
+                <a:spcPct val="0"/>
+              </a:spcAft>
+              <a:defRPr sz="1600">
+                <a:solidFill>
+                  <a:schemeClr val="tx1"/>
+                </a:solidFill>
+                <a:latin typeface="Times New Roman" pitchFamily="18" charset="0"/>
+              </a:defRPr>
+            </a:lvl8pPr>
+            <a:lvl9pPr marL="3886200" indent="-228600" eaLnBrk="0" fontAlgn="base" hangingPunct="0">
+              <a:spcBef>
+                <a:spcPct val="0"/>
+              </a:spcBef>
+              <a:spcAft>
+                <a:spcPct val="0"/>
+              </a:spcAft>
+              <a:defRPr sz="1600">
+                <a:solidFill>
+                  <a:schemeClr val="tx1"/>
+                </a:solidFill>
+                <a:latin typeface="Times New Roman" pitchFamily="18" charset="0"/>
+              </a:defRPr>
+            </a:lvl9pPr>
+          </a:lstStyle>
+          <a:p>
+            <a:pPr marL="285750" indent="-285750">
+              <a:lnSpc>
+                <a:spcPct val="150000"/>
+              </a:lnSpc>
+              <a:buFont typeface="Arial" panose="020B0604020202020204" pitchFamily="34" charset="0"/>
+              <a:buChar char="•"/>
+            </a:pPr>
+            <a:r>
+              <a:rPr lang="es-MX" dirty="0">
+                <a:latin typeface="Arial" panose="020B0604020202020204" pitchFamily="34" charset="0"/>
+                <a:cs typeface="Arial" panose="020B0604020202020204" pitchFamily="34" charset="0"/>
+              </a:rPr>
+              <a:t>Unidades de datos de protocolo.</a:t>
+            </a:r>
+          </a:p>
+          <a:p>
+            <a:pPr marL="285750" indent="-285750">
+              <a:lnSpc>
+                <a:spcPct val="150000"/>
+              </a:lnSpc>
+              <a:buFont typeface="Arial" panose="020B0604020202020204" pitchFamily="34" charset="0"/>
+              <a:buChar char="•"/>
+            </a:pPr>
+            <a:r>
+              <a:rPr lang="es-MX" dirty="0">
+                <a:latin typeface="Arial" panose="020B0604020202020204" pitchFamily="34" charset="0"/>
+                <a:cs typeface="Arial" panose="020B0604020202020204" pitchFamily="34" charset="0"/>
+              </a:rPr>
+              <a:t>Segmentación y encapsulamiento.</a:t>
+            </a:r>
+          </a:p>
+          <a:p>
+            <a:pPr marL="285750" indent="-285750">
+              <a:lnSpc>
+                <a:spcPct val="150000"/>
+              </a:lnSpc>
+              <a:buFont typeface="Arial" panose="020B0604020202020204" pitchFamily="34" charset="0"/>
+              <a:buChar char="•"/>
+            </a:pPr>
+            <a:r>
+              <a:rPr lang="es-MX" dirty="0">
+                <a:latin typeface="Arial" panose="020B0604020202020204" pitchFamily="34" charset="0"/>
+                <a:cs typeface="Arial" panose="020B0604020202020204" pitchFamily="34" charset="0"/>
+              </a:rPr>
+              <a:t>Protocolos Modelo OSI</a:t>
+            </a:r>
+          </a:p>
+        </p:txBody>
+      </p:sp>
+      <p:sp>
+        <p:nvSpPr>
+          <p:cNvPr id="3078" name="Text Box 6"/>
+          <p:cNvSpPr txBox="1">
+            <a:spLocks noChangeArrowheads="1"/>
+          </p:cNvSpPr>
+          <p:nvPr/>
+        </p:nvSpPr>
+        <p:spPr bwMode="auto">
+          <a:xfrm>
+            <a:off x="802481" y="842147"/>
+            <a:ext cx="7539037" cy="584775"/>
+          </a:xfrm>
+          <a:prstGeom prst="rect">
+            <a:avLst/>
+          </a:prstGeom>
+          <a:noFill/>
+          <a:ln>
+            <a:noFill/>
+          </a:ln>
+          <a:extLst>
+            <a:ext uri="{909E8E84-426E-40DD-AFC4-6F175D3DCCD1}">
+              <a14:hiddenFill xmlns:a14="http://schemas.microsoft.com/office/drawing/2010/main">
+                <a:solidFill>
+                  <a:srgbClr val="FFFFFF"/>
+                </a:solidFill>
+              </a14:hiddenFill>
+            </a:ext>
+            <a:ext uri="{91240B29-F687-4F45-9708-019B960494DF}">
+              <a14:hiddenLine xmlns:a14="http://schemas.microsoft.com/office/drawing/2010/main" w="9525">
+                <a:solidFill>
+                  <a:srgbClr val="000000"/>
+                </a:solidFill>
+                <a:miter lim="800000"/>
+                <a:headEnd/>
+                <a:tailEnd/>
+              </a14:hiddenLine>
+            </a:ext>
+          </a:extLst>
+        </p:spPr>
+        <p:txBody>
+          <a:bodyPr wrap="square">
+            <a:spAutoFit/>
+          </a:bodyPr>
+          <a:lstStyle>
+            <a:lvl1pPr>
+              <a:defRPr sz="1600">
+                <a:solidFill>
+                  <a:schemeClr val="tx1"/>
+                </a:solidFill>
+                <a:latin typeface="Times New Roman" pitchFamily="18" charset="0"/>
+              </a:defRPr>
+            </a:lvl1pPr>
+            <a:lvl2pPr marL="742950" indent="-285750">
+              <a:defRPr sz="1600">
+                <a:solidFill>
+                  <a:schemeClr val="tx1"/>
+                </a:solidFill>
+                <a:latin typeface="Times New Roman" pitchFamily="18" charset="0"/>
+              </a:defRPr>
+            </a:lvl2pPr>
+            <a:lvl3pPr marL="1143000" indent="-228600">
+              <a:defRPr sz="1600">
+                <a:solidFill>
+                  <a:schemeClr val="tx1"/>
+                </a:solidFill>
+                <a:latin typeface="Times New Roman" pitchFamily="18" charset="0"/>
+              </a:defRPr>
+            </a:lvl3pPr>
+            <a:lvl4pPr marL="1600200" indent="-228600">
+              <a:defRPr sz="1600">
+                <a:solidFill>
+                  <a:schemeClr val="tx1"/>
+                </a:solidFill>
+                <a:latin typeface="Times New Roman" pitchFamily="18" charset="0"/>
+              </a:defRPr>
+            </a:lvl4pPr>
+            <a:lvl5pPr marL="2057400" indent="-228600">
+              <a:defRPr sz="1600">
+                <a:solidFill>
+                  <a:schemeClr val="tx1"/>
+                </a:solidFill>
+                <a:latin typeface="Times New Roman" pitchFamily="18" charset="0"/>
+              </a:defRPr>
+            </a:lvl5pPr>
+            <a:lvl6pPr marL="2514600" indent="-228600" eaLnBrk="0" fontAlgn="base" hangingPunct="0">
+              <a:spcBef>
+                <a:spcPct val="0"/>
+              </a:spcBef>
+              <a:spcAft>
+                <a:spcPct val="0"/>
+              </a:spcAft>
+              <a:defRPr sz="1600">
+                <a:solidFill>
+                  <a:schemeClr val="tx1"/>
+                </a:solidFill>
+                <a:latin typeface="Times New Roman" pitchFamily="18" charset="0"/>
+              </a:defRPr>
+            </a:lvl6pPr>
+            <a:lvl7pPr marL="2971800" indent="-228600" eaLnBrk="0" fontAlgn="base" hangingPunct="0">
+              <a:spcBef>
+                <a:spcPct val="0"/>
+              </a:spcBef>
+              <a:spcAft>
+                <a:spcPct val="0"/>
+              </a:spcAft>
+              <a:defRPr sz="1600">
+                <a:solidFill>
+                  <a:schemeClr val="tx1"/>
+                </a:solidFill>
+                <a:latin typeface="Times New Roman" pitchFamily="18" charset="0"/>
+              </a:defRPr>
+            </a:lvl7pPr>
+            <a:lvl8pPr marL="3429000" indent="-228600" eaLnBrk="0" fontAlgn="base" hangingPunct="0">
+              <a:spcBef>
+                <a:spcPct val="0"/>
+              </a:spcBef>
+              <a:spcAft>
+                <a:spcPct val="0"/>
+              </a:spcAft>
+              <a:defRPr sz="1600">
+                <a:solidFill>
+                  <a:schemeClr val="tx1"/>
+                </a:solidFill>
+                <a:latin typeface="Times New Roman" pitchFamily="18" charset="0"/>
+              </a:defRPr>
+            </a:lvl8pPr>
+            <a:lvl9pPr marL="3886200" indent="-228600" eaLnBrk="0" fontAlgn="base" hangingPunct="0">
+              <a:spcBef>
+                <a:spcPct val="0"/>
+              </a:spcBef>
+              <a:spcAft>
+                <a:spcPct val="0"/>
+              </a:spcAft>
+              <a:defRPr sz="1600">
+                <a:solidFill>
+                  <a:schemeClr val="tx1"/>
+                </a:solidFill>
+                <a:latin typeface="Times New Roman" pitchFamily="18" charset="0"/>
+              </a:defRPr>
+            </a:lvl9pPr>
+          </a:lstStyle>
+          <a:p>
+            <a:pPr algn="ctr">
+              <a:spcBef>
+                <a:spcPct val="50000"/>
+              </a:spcBef>
+            </a:pPr>
+            <a:r>
+              <a:rPr lang="es-MX" sz="3200" b="1" dirty="0">
+                <a:solidFill>
+                  <a:schemeClr val="accent4">
+                    <a:lumMod val="50000"/>
+                  </a:schemeClr>
+                </a:solidFill>
+                <a:effectLst>
+                  <a:outerShdw blurRad="38100" dist="38100" dir="2700000" algn="tl">
+                    <a:srgbClr val="C0C0C0"/>
+                  </a:outerShdw>
+                </a:effectLst>
+                <a:latin typeface="Dom Casual" charset="0"/>
+                <a:ea typeface="+mj-ea"/>
+                <a:cs typeface="+mj-cs"/>
+              </a:rPr>
+              <a:t>Agenda de esta sesión</a:t>
+            </a:r>
+          </a:p>
+        </p:txBody>
+      </p:sp>
+      <p:pic>
+        <p:nvPicPr>
+          <p:cNvPr id="5" name="Imagen 4">
+            <a:extLst>
+              <a:ext uri="{FF2B5EF4-FFF2-40B4-BE49-F238E27FC236}">
+                <a16:creationId xmlns:a16="http://schemas.microsoft.com/office/drawing/2014/main" id="{AA61FB84-1F26-4142-8C7D-E0ADFDC4AA1C}"/>
+              </a:ext>
+            </a:extLst>
+          </p:cNvPr>
+          <p:cNvPicPr>
+            <a:picLocks noChangeAspect="1"/>
+          </p:cNvPicPr>
+          <p:nvPr/>
+        </p:nvPicPr>
+        <p:blipFill>
+          <a:blip r:embed="rId2"/>
+          <a:stretch>
+            <a:fillRect/>
+          </a:stretch>
+        </p:blipFill>
+        <p:spPr>
+          <a:xfrm>
+            <a:off x="4278982" y="2060848"/>
+            <a:ext cx="4320480" cy="3174037"/>
+          </a:xfrm>
+          <a:prstGeom prst="rect">
+            <a:avLst/>
+          </a:prstGeom>
+        </p:spPr>
+      </p:pic>
+    </p:spTree>
+    <p:extLst>
+      <p:ext uri="{BB962C8B-B14F-4D97-AF65-F5344CB8AC3E}">
+        <p14:creationId xmlns:p14="http://schemas.microsoft.com/office/powerpoint/2010/main" val="1009664677"/>
+      </p:ext>
+    </p:extLst>
+  </p:cSld>
+  <p:clrMapOvr>
+    <a:masterClrMapping/>
+  </p:clrMapOvr>
+  <p:transition/>
+  <p:timing>
+    <p:tnLst>
+      <p:par>
+        <p:cTn id="1" dur="indefinite" restart="never" nodeType="tmRoot">
+          <p:childTnLst>
+            <p:seq concurrent="1" nextAc="seek">
+              <p:cTn id="2" dur="indefinite" nodeType="mainSeq">
+                <p:childTnLst>
+                  <p:par>
+                    <p:cTn id="3" fill="hold" nodeType="clickPar">
+                      <p:stCondLst>
+                        <p:cond delay="indefinite"/>
+                      </p:stCondLst>
+                      <p:childTnLst>
+                        <p:par>
+                          <p:cTn id="4" fill="hold" nodeType="withGroup">
+                            <p:stCondLst>
+                              <p:cond delay="0"/>
+                            </p:stCondLst>
+                            <p:childTnLst>
+                              <p:par>
+                                <p:cTn id="5" presetID="4" presetClass="entr" presetSubtype="16" fill="hold" grpId="0" nodeType="clickEffect">
+                                  <p:stCondLst>
+                                    <p:cond delay="0"/>
+                                  </p:stCondLst>
+                                  <p:childTnLst>
+                                    <p:set>
+                                      <p:cBhvr>
+                                        <p:cTn id="6" dur="1" fill="hold">
+                                          <p:stCondLst>
+                                            <p:cond delay="0"/>
+                                          </p:stCondLst>
+                                        </p:cTn>
+                                        <p:tgtEl>
+                                          <p:spTgt spid="26629"/>
+                                        </p:tgtEl>
+                                        <p:attrNameLst>
+                                          <p:attrName>style.visibility</p:attrName>
+                                        </p:attrNameLst>
+                                      </p:cBhvr>
+                                      <p:to>
+                                        <p:strVal val="visible"/>
+                                      </p:to>
+                                    </p:set>
+                                    <p:animEffect transition="in" filter="box(in)">
+                                      <p:cBhvr>
+                                        <p:cTn id="7" dur="500"/>
+                                        <p:tgtEl>
+                                          <p:spTgt spid="26629"/>
+                                        </p:tgtEl>
+                                      </p:cBhvr>
+                                    </p:animEffect>
+                                  </p:childTnLst>
+                                </p:cTn>
+                              </p:par>
+                            </p:childTnLst>
+                          </p:cTn>
+                        </p:par>
+                      </p:childTnLst>
+                    </p:cTn>
+                  </p:par>
+                </p:childTnLst>
+              </p:cTn>
+              <p:prevCondLst>
+                <p:cond evt="onPrev" delay="0">
+                  <p:tgtEl>
+                    <p:sldTgt/>
+                  </p:tgtEl>
+                </p:cond>
+              </p:prevCondLst>
+              <p:nextCondLst>
+                <p:cond evt="onNext" delay="0">
+                  <p:tgtEl>
+                    <p:sldTgt/>
+                  </p:tgtEl>
+                </p:cond>
+              </p:nextCondLst>
+            </p:seq>
+          </p:childTnLst>
+        </p:cTn>
+      </p:par>
+    </p:tnLst>
+    <p:bldLst>
+      <p:bldP spid="26629" grpId="0"/>
+    </p:bldLst>
+  </p:timing>
+</p:sld>
+</file>
+
+<file path=ppt/slides/slide20.xml><?xml version="1.0" encoding="utf-8"?>
 <p:sld xmlns:a="http://schemas.openxmlformats.org/drawingml/2006/main" xmlns:r="http://schemas.openxmlformats.org/officeDocument/2006/relationships" xmlns:p="http://schemas.openxmlformats.org/presentationml/2006/main">
   <p:cSld>
     <p:spTree>
@@ -14762,7 +14565,7 @@
 </p:sld>
 </file>
 
-<file path=ppt/slides/slide22.xml><?xml version="1.0" encoding="utf-8"?>
+<file path=ppt/slides/slide21.xml><?xml version="1.0" encoding="utf-8"?>
 <p:sld xmlns:a="http://schemas.openxmlformats.org/drawingml/2006/main" xmlns:r="http://schemas.openxmlformats.org/officeDocument/2006/relationships" xmlns:p="http://schemas.openxmlformats.org/presentationml/2006/main">
   <p:cSld>
     <p:spTree>
@@ -14963,7 +14766,7 @@
 </p:sld>
 </file>
 
-<file path=ppt/slides/slide23.xml><?xml version="1.0" encoding="utf-8"?>
+<file path=ppt/slides/slide22.xml><?xml version="1.0" encoding="utf-8"?>
 <p:sld xmlns:a="http://schemas.openxmlformats.org/drawingml/2006/main" xmlns:r="http://schemas.openxmlformats.org/officeDocument/2006/relationships" xmlns:p="http://schemas.openxmlformats.org/presentationml/2006/main">
   <p:cSld>
     <p:spTree>
@@ -16139,7 +15942,7 @@
 </p:sld>
 </file>
 
-<file path=ppt/slides/slide24.xml><?xml version="1.0" encoding="utf-8"?>
+<file path=ppt/slides/slide23.xml><?xml version="1.0" encoding="utf-8"?>
 <p:sld xmlns:a="http://schemas.openxmlformats.org/drawingml/2006/main" xmlns:r="http://schemas.openxmlformats.org/officeDocument/2006/relationships" xmlns:p="http://schemas.openxmlformats.org/presentationml/2006/main">
   <p:cSld>
     <p:spTree>
@@ -17154,7 +16957,7 @@
 </p:sld>
 </file>
 
-<file path=ppt/slides/slide25.xml><?xml version="1.0" encoding="utf-8"?>
+<file path=ppt/slides/slide24.xml><?xml version="1.0" encoding="utf-8"?>
 <p:sld xmlns:a="http://schemas.openxmlformats.org/drawingml/2006/main" xmlns:r="http://schemas.openxmlformats.org/officeDocument/2006/relationships" xmlns:p="http://schemas.openxmlformats.org/presentationml/2006/main">
   <p:cSld>
     <p:spTree>
@@ -18593,7 +18396,7 @@
 </p:sld>
 </file>
 
-<file path=ppt/slides/slide26.xml><?xml version="1.0" encoding="utf-8"?>
+<file path=ppt/slides/slide25.xml><?xml version="1.0" encoding="utf-8"?>
 <p:sld xmlns:a="http://schemas.openxmlformats.org/drawingml/2006/main" xmlns:r="http://schemas.openxmlformats.org/officeDocument/2006/relationships" xmlns:p="http://schemas.openxmlformats.org/presentationml/2006/main">
   <p:cSld>
     <p:spTree>
